--- a/photo-interrupt.pptx
+++ b/photo-interrupt.pptx
@@ -5,7 +5,7 @@
     <p:sldMasterId id="2147483648" r:id="rId1"/>
   </p:sldMasterIdLst>
   <p:notesMasterIdLst>
-    <p:notesMasterId r:id="rId36"/>
+    <p:notesMasterId r:id="rId38"/>
   </p:notesMasterIdLst>
   <p:sldIdLst>
     <p:sldId id="256" r:id="rId2"/>
@@ -42,6 +42,8 @@
     <p:sldId id="287" r:id="rId33"/>
     <p:sldId id="288" r:id="rId34"/>
     <p:sldId id="289" r:id="rId35"/>
+    <p:sldId id="290" r:id="rId36"/>
+    <p:sldId id="291" r:id="rId37"/>
   </p:sldIdLst>
   <p:sldSz cx="12192000" cy="6858000"/>
   <p:notesSz cx="6858000" cy="9144000"/>
@@ -230,7 +232,7 @@
           <a:p>
             <a:fld id="{663892D0-B3EF-461F-AB70-FC23734FB1EC}" type="datetimeFigureOut">
               <a:rPr lang="en-US" smtClean="0"/>
-              <a:t>9/18/2023</a:t>
+              <a:t>9/19/2023</a:t>
             </a:fld>
             <a:endParaRPr lang="en-US"/>
           </a:p>
@@ -728,7 +730,7 @@
           <a:p>
             <a:fld id="{7F405619-5C99-4A01-9556-D97513B479FB}" type="datetimeFigureOut">
               <a:rPr lang="en-US" smtClean="0"/>
-              <a:t>9/18/2023</a:t>
+              <a:t>9/19/2023</a:t>
             </a:fld>
             <a:endParaRPr lang="en-US"/>
           </a:p>
@@ -926,7 +928,7 @@
           <a:p>
             <a:fld id="{7F405619-5C99-4A01-9556-D97513B479FB}" type="datetimeFigureOut">
               <a:rPr lang="en-US" smtClean="0"/>
-              <a:t>9/18/2023</a:t>
+              <a:t>9/19/2023</a:t>
             </a:fld>
             <a:endParaRPr lang="en-US"/>
           </a:p>
@@ -1134,7 +1136,7 @@
           <a:p>
             <a:fld id="{7F405619-5C99-4A01-9556-D97513B479FB}" type="datetimeFigureOut">
               <a:rPr lang="en-US" smtClean="0"/>
-              <a:t>9/18/2023</a:t>
+              <a:t>9/19/2023</a:t>
             </a:fld>
             <a:endParaRPr lang="en-US"/>
           </a:p>
@@ -1332,7 +1334,7 @@
           <a:p>
             <a:fld id="{7F405619-5C99-4A01-9556-D97513B479FB}" type="datetimeFigureOut">
               <a:rPr lang="en-US" smtClean="0"/>
-              <a:t>9/18/2023</a:t>
+              <a:t>9/19/2023</a:t>
             </a:fld>
             <a:endParaRPr lang="en-US"/>
           </a:p>
@@ -1607,7 +1609,7 @@
           <a:p>
             <a:fld id="{7F405619-5C99-4A01-9556-D97513B479FB}" type="datetimeFigureOut">
               <a:rPr lang="en-US" smtClean="0"/>
-              <a:t>9/18/2023</a:t>
+              <a:t>9/19/2023</a:t>
             </a:fld>
             <a:endParaRPr lang="en-US"/>
           </a:p>
@@ -1872,7 +1874,7 @@
           <a:p>
             <a:fld id="{7F405619-5C99-4A01-9556-D97513B479FB}" type="datetimeFigureOut">
               <a:rPr lang="en-US" smtClean="0"/>
-              <a:t>9/18/2023</a:t>
+              <a:t>9/19/2023</a:t>
             </a:fld>
             <a:endParaRPr lang="en-US"/>
           </a:p>
@@ -2284,7 +2286,7 @@
           <a:p>
             <a:fld id="{7F405619-5C99-4A01-9556-D97513B479FB}" type="datetimeFigureOut">
               <a:rPr lang="en-US" smtClean="0"/>
-              <a:t>9/18/2023</a:t>
+              <a:t>9/19/2023</a:t>
             </a:fld>
             <a:endParaRPr lang="en-US"/>
           </a:p>
@@ -2425,7 +2427,7 @@
           <a:p>
             <a:fld id="{7F405619-5C99-4A01-9556-D97513B479FB}" type="datetimeFigureOut">
               <a:rPr lang="en-US" smtClean="0"/>
-              <a:t>9/18/2023</a:t>
+              <a:t>9/19/2023</a:t>
             </a:fld>
             <a:endParaRPr lang="en-US"/>
           </a:p>
@@ -2538,7 +2540,7 @@
           <a:p>
             <a:fld id="{7F405619-5C99-4A01-9556-D97513B479FB}" type="datetimeFigureOut">
               <a:rPr lang="en-US" smtClean="0"/>
-              <a:t>9/18/2023</a:t>
+              <a:t>9/19/2023</a:t>
             </a:fld>
             <a:endParaRPr lang="en-US"/>
           </a:p>
@@ -2849,7 +2851,7 @@
           <a:p>
             <a:fld id="{7F405619-5C99-4A01-9556-D97513B479FB}" type="datetimeFigureOut">
               <a:rPr lang="en-US" smtClean="0"/>
-              <a:t>9/18/2023</a:t>
+              <a:t>9/19/2023</a:t>
             </a:fld>
             <a:endParaRPr lang="en-US"/>
           </a:p>
@@ -3137,7 +3139,7 @@
           <a:p>
             <a:fld id="{7F405619-5C99-4A01-9556-D97513B479FB}" type="datetimeFigureOut">
               <a:rPr lang="en-US" smtClean="0"/>
-              <a:t>9/18/2023</a:t>
+              <a:t>9/19/2023</a:t>
             </a:fld>
             <a:endParaRPr lang="en-US"/>
           </a:p>
@@ -3378,7 +3380,7 @@
           <a:p>
             <a:fld id="{7F405619-5C99-4A01-9556-D97513B479FB}" type="datetimeFigureOut">
               <a:rPr lang="en-US" smtClean="0"/>
-              <a:t>9/18/2023</a:t>
+              <a:t>9/19/2023</a:t>
             </a:fld>
             <a:endParaRPr lang="en-US"/>
           </a:p>
@@ -6747,6 +6749,238 @@
     <p:extLst>
       <p:ext uri="{BB962C8B-B14F-4D97-AF65-F5344CB8AC3E}">
         <p14:creationId xmlns:p14="http://schemas.microsoft.com/office/powerpoint/2010/main" val="3981264981"/>
+      </p:ext>
+    </p:extLst>
+  </p:cSld>
+  <p:clrMapOvr>
+    <a:masterClrMapping/>
+  </p:clrMapOvr>
+</p:sld>
+</file>
+
+<file path=ppt/slides/slide35.xml><?xml version="1.0" encoding="utf-8"?>
+<p:sld xmlns:a="http://schemas.openxmlformats.org/drawingml/2006/main" xmlns:r="http://schemas.openxmlformats.org/officeDocument/2006/relationships" xmlns:p="http://schemas.openxmlformats.org/presentationml/2006/main">
+  <p:cSld>
+    <p:spTree>
+      <p:nvGrpSpPr>
+        <p:cNvPr id="1" name=""/>
+        <p:cNvGrpSpPr/>
+        <p:nvPr/>
+      </p:nvGrpSpPr>
+      <p:grpSpPr>
+        <a:xfrm>
+          <a:off x="0" y="0"/>
+          <a:ext cx="0" cy="0"/>
+          <a:chOff x="0" y="0"/>
+          <a:chExt cx="0" cy="0"/>
+        </a:xfrm>
+      </p:grpSpPr>
+      <p:sp>
+        <p:nvSpPr>
+          <p:cNvPr id="2" name="Title 1">
+            <a:extLst>
+              <a:ext uri="{FF2B5EF4-FFF2-40B4-BE49-F238E27FC236}">
+                <a16:creationId xmlns:a16="http://schemas.microsoft.com/office/drawing/2014/main" id="{D510A5C9-B8E3-8679-4CEF-7410E35004D3}"/>
+              </a:ext>
+            </a:extLst>
+          </p:cNvPr>
+          <p:cNvSpPr>
+            <a:spLocks noGrp="1"/>
+          </p:cNvSpPr>
+          <p:nvPr>
+            <p:ph type="title"/>
+          </p:nvPr>
+        </p:nvSpPr>
+        <p:spPr/>
+        <p:txBody>
+          <a:bodyPr/>
+          <a:lstStyle/>
+          <a:p>
+            <a:r>
+              <a:rPr lang="en-US" dirty="0"/>
+              <a:t>Thyristor at high power</a:t>
+            </a:r>
+          </a:p>
+        </p:txBody>
+      </p:sp>
+      <p:sp>
+        <p:nvSpPr>
+          <p:cNvPr id="3" name="Content Placeholder 2">
+            <a:extLst>
+              <a:ext uri="{FF2B5EF4-FFF2-40B4-BE49-F238E27FC236}">
+                <a16:creationId xmlns:a16="http://schemas.microsoft.com/office/drawing/2014/main" id="{D008244C-1995-A8EF-E455-C8372AC24EAC}"/>
+              </a:ext>
+            </a:extLst>
+          </p:cNvPr>
+          <p:cNvSpPr>
+            <a:spLocks noGrp="1"/>
+          </p:cNvSpPr>
+          <p:nvPr>
+            <p:ph idx="1"/>
+          </p:nvPr>
+        </p:nvSpPr>
+        <p:spPr/>
+        <p:txBody>
+          <a:bodyPr/>
+          <a:lstStyle/>
+          <a:p>
+            <a:r>
+              <a:rPr lang="en-US" dirty="0"/>
+              <a:t>Something here was limiting output voltage to ~5v</a:t>
+            </a:r>
+          </a:p>
+        </p:txBody>
+      </p:sp>
+      <p:pic>
+        <p:nvPicPr>
+          <p:cNvPr id="5" name="Picture 4">
+            <a:extLst>
+              <a:ext uri="{FF2B5EF4-FFF2-40B4-BE49-F238E27FC236}">
+                <a16:creationId xmlns:a16="http://schemas.microsoft.com/office/drawing/2014/main" id="{FC7EFE2F-7DBF-E535-5FBA-ECC5E318FF74}"/>
+              </a:ext>
+            </a:extLst>
+          </p:cNvPr>
+          <p:cNvPicPr>
+            <a:picLocks noChangeAspect="1"/>
+          </p:cNvPicPr>
+          <p:nvPr/>
+        </p:nvPicPr>
+        <p:blipFill>
+          <a:blip r:embed="rId2"/>
+          <a:stretch>
+            <a:fillRect/>
+          </a:stretch>
+        </p:blipFill>
+        <p:spPr>
+          <a:xfrm>
+            <a:off x="838200" y="2197223"/>
+            <a:ext cx="6130782" cy="2463553"/>
+          </a:xfrm>
+          <a:prstGeom prst="rect">
+            <a:avLst/>
+          </a:prstGeom>
+        </p:spPr>
+      </p:pic>
+    </p:spTree>
+    <p:extLst>
+      <p:ext uri="{BB962C8B-B14F-4D97-AF65-F5344CB8AC3E}">
+        <p14:creationId xmlns:p14="http://schemas.microsoft.com/office/powerpoint/2010/main" val="1154204747"/>
+      </p:ext>
+    </p:extLst>
+  </p:cSld>
+  <p:clrMapOvr>
+    <a:masterClrMapping/>
+  </p:clrMapOvr>
+</p:sld>
+</file>
+
+<file path=ppt/slides/slide36.xml><?xml version="1.0" encoding="utf-8"?>
+<p:sld xmlns:a="http://schemas.openxmlformats.org/drawingml/2006/main" xmlns:r="http://schemas.openxmlformats.org/officeDocument/2006/relationships" xmlns:p="http://schemas.openxmlformats.org/presentationml/2006/main">
+  <p:cSld>
+    <p:spTree>
+      <p:nvGrpSpPr>
+        <p:cNvPr id="1" name=""/>
+        <p:cNvGrpSpPr/>
+        <p:nvPr/>
+      </p:nvGrpSpPr>
+      <p:grpSpPr>
+        <a:xfrm>
+          <a:off x="0" y="0"/>
+          <a:ext cx="0" cy="0"/>
+          <a:chOff x="0" y="0"/>
+          <a:chExt cx="0" cy="0"/>
+        </a:xfrm>
+      </p:grpSpPr>
+      <p:sp>
+        <p:nvSpPr>
+          <p:cNvPr id="2" name="Title 1">
+            <a:extLst>
+              <a:ext uri="{FF2B5EF4-FFF2-40B4-BE49-F238E27FC236}">
+                <a16:creationId xmlns:a16="http://schemas.microsoft.com/office/drawing/2014/main" id="{149685BF-CE7F-3473-DA96-00CA5D61BF94}"/>
+              </a:ext>
+            </a:extLst>
+          </p:cNvPr>
+          <p:cNvSpPr>
+            <a:spLocks noGrp="1"/>
+          </p:cNvSpPr>
+          <p:nvPr>
+            <p:ph type="title"/>
+          </p:nvPr>
+        </p:nvSpPr>
+        <p:spPr/>
+        <p:txBody>
+          <a:bodyPr/>
+          <a:lstStyle/>
+          <a:p>
+            <a:r>
+              <a:rPr lang="en-US" dirty="0"/>
+              <a:t>Attempt at fixing thyristor</a:t>
+            </a:r>
+          </a:p>
+        </p:txBody>
+      </p:sp>
+      <p:sp>
+        <p:nvSpPr>
+          <p:cNvPr id="3" name="Content Placeholder 2">
+            <a:extLst>
+              <a:ext uri="{FF2B5EF4-FFF2-40B4-BE49-F238E27FC236}">
+                <a16:creationId xmlns:a16="http://schemas.microsoft.com/office/drawing/2014/main" id="{B5030B07-2B3D-0D6A-5826-CC1711BDFD3C}"/>
+              </a:ext>
+            </a:extLst>
+          </p:cNvPr>
+          <p:cNvSpPr>
+            <a:spLocks noGrp="1"/>
+          </p:cNvSpPr>
+          <p:nvPr>
+            <p:ph idx="1"/>
+          </p:nvPr>
+        </p:nvSpPr>
+        <p:spPr/>
+        <p:txBody>
+          <a:bodyPr/>
+          <a:lstStyle/>
+          <a:p>
+            <a:r>
+              <a:rPr lang="en-US" dirty="0"/>
+              <a:t>Dropping the PMOS allows for high voltage only at high current</a:t>
+            </a:r>
+          </a:p>
+        </p:txBody>
+      </p:sp>
+      <p:pic>
+        <p:nvPicPr>
+          <p:cNvPr id="4" name="Picture 3">
+            <a:extLst>
+              <a:ext uri="{FF2B5EF4-FFF2-40B4-BE49-F238E27FC236}">
+                <a16:creationId xmlns:a16="http://schemas.microsoft.com/office/drawing/2014/main" id="{D508CA43-5C42-6520-4DE3-D743F1012A66}"/>
+              </a:ext>
+            </a:extLst>
+          </p:cNvPr>
+          <p:cNvPicPr>
+            <a:picLocks noChangeAspect="1"/>
+          </p:cNvPicPr>
+          <p:nvPr/>
+        </p:nvPicPr>
+        <p:blipFill>
+          <a:blip r:embed="rId2"/>
+          <a:stretch>
+            <a:fillRect/>
+          </a:stretch>
+        </p:blipFill>
+        <p:spPr>
+          <a:xfrm>
+            <a:off x="71440" y="2251771"/>
+            <a:ext cx="12049119" cy="4478784"/>
+          </a:xfrm>
+          <a:prstGeom prst="rect">
+            <a:avLst/>
+          </a:prstGeom>
+        </p:spPr>
+      </p:pic>
+    </p:spTree>
+    <p:extLst>
+      <p:ext uri="{BB962C8B-B14F-4D97-AF65-F5344CB8AC3E}">
+        <p14:creationId xmlns:p14="http://schemas.microsoft.com/office/powerpoint/2010/main" val="3792947617"/>
       </p:ext>
     </p:extLst>
   </p:cSld>
